--- a/outputs/00_Figures_for_paper/Figure5.pptx
+++ b/outputs/00_Figures_for_paper/Figure5.pptx
@@ -243,7 +243,7 @@
           <a:p>
             <a:fld id="{CF97A134-FB87-44B0-94D1-6D4AE8ED7871}" type="datetimeFigureOut">
               <a:rPr lang="fr-FR" smtClean="0"/>
-              <a:t>18/03/2021</a:t>
+              <a:t>06/04/2021</a:t>
             </a:fld>
             <a:endParaRPr lang="fr-FR"/>
           </a:p>
@@ -413,7 +413,7 @@
           <a:p>
             <a:fld id="{CF97A134-FB87-44B0-94D1-6D4AE8ED7871}" type="datetimeFigureOut">
               <a:rPr lang="fr-FR" smtClean="0"/>
-              <a:t>18/03/2021</a:t>
+              <a:t>06/04/2021</a:t>
             </a:fld>
             <a:endParaRPr lang="fr-FR"/>
           </a:p>
@@ -593,7 +593,7 @@
           <a:p>
             <a:fld id="{CF97A134-FB87-44B0-94D1-6D4AE8ED7871}" type="datetimeFigureOut">
               <a:rPr lang="fr-FR" smtClean="0"/>
-              <a:t>18/03/2021</a:t>
+              <a:t>06/04/2021</a:t>
             </a:fld>
             <a:endParaRPr lang="fr-FR"/>
           </a:p>
@@ -763,7 +763,7 @@
           <a:p>
             <a:fld id="{CF97A134-FB87-44B0-94D1-6D4AE8ED7871}" type="datetimeFigureOut">
               <a:rPr lang="fr-FR" smtClean="0"/>
-              <a:t>18/03/2021</a:t>
+              <a:t>06/04/2021</a:t>
             </a:fld>
             <a:endParaRPr lang="fr-FR"/>
           </a:p>
@@ -1007,7 +1007,7 @@
           <a:p>
             <a:fld id="{CF97A134-FB87-44B0-94D1-6D4AE8ED7871}" type="datetimeFigureOut">
               <a:rPr lang="fr-FR" smtClean="0"/>
-              <a:t>18/03/2021</a:t>
+              <a:t>06/04/2021</a:t>
             </a:fld>
             <a:endParaRPr lang="fr-FR"/>
           </a:p>
@@ -1239,7 +1239,7 @@
           <a:p>
             <a:fld id="{CF97A134-FB87-44B0-94D1-6D4AE8ED7871}" type="datetimeFigureOut">
               <a:rPr lang="fr-FR" smtClean="0"/>
-              <a:t>18/03/2021</a:t>
+              <a:t>06/04/2021</a:t>
             </a:fld>
             <a:endParaRPr lang="fr-FR"/>
           </a:p>
@@ -1606,7 +1606,7 @@
           <a:p>
             <a:fld id="{CF97A134-FB87-44B0-94D1-6D4AE8ED7871}" type="datetimeFigureOut">
               <a:rPr lang="fr-FR" smtClean="0"/>
-              <a:t>18/03/2021</a:t>
+              <a:t>06/04/2021</a:t>
             </a:fld>
             <a:endParaRPr lang="fr-FR"/>
           </a:p>
@@ -1724,7 +1724,7 @@
           <a:p>
             <a:fld id="{CF97A134-FB87-44B0-94D1-6D4AE8ED7871}" type="datetimeFigureOut">
               <a:rPr lang="fr-FR" smtClean="0"/>
-              <a:t>18/03/2021</a:t>
+              <a:t>06/04/2021</a:t>
             </a:fld>
             <a:endParaRPr lang="fr-FR"/>
           </a:p>
@@ -1819,7 +1819,7 @@
           <a:p>
             <a:fld id="{CF97A134-FB87-44B0-94D1-6D4AE8ED7871}" type="datetimeFigureOut">
               <a:rPr lang="fr-FR" smtClean="0"/>
-              <a:t>18/03/2021</a:t>
+              <a:t>06/04/2021</a:t>
             </a:fld>
             <a:endParaRPr lang="fr-FR"/>
           </a:p>
@@ -2096,7 +2096,7 @@
           <a:p>
             <a:fld id="{CF97A134-FB87-44B0-94D1-6D4AE8ED7871}" type="datetimeFigureOut">
               <a:rPr lang="fr-FR" smtClean="0"/>
-              <a:t>18/03/2021</a:t>
+              <a:t>06/04/2021</a:t>
             </a:fld>
             <a:endParaRPr lang="fr-FR"/>
           </a:p>
@@ -2353,7 +2353,7 @@
           <a:p>
             <a:fld id="{CF97A134-FB87-44B0-94D1-6D4AE8ED7871}" type="datetimeFigureOut">
               <a:rPr lang="fr-FR" smtClean="0"/>
-              <a:t>18/03/2021</a:t>
+              <a:t>06/04/2021</a:t>
             </a:fld>
             <a:endParaRPr lang="fr-FR"/>
           </a:p>
@@ -2566,7 +2566,7 @@
           <a:p>
             <a:fld id="{CF97A134-FB87-44B0-94D1-6D4AE8ED7871}" type="datetimeFigureOut">
               <a:rPr lang="fr-FR" smtClean="0"/>
-              <a:t>18/03/2021</a:t>
+              <a:t>06/04/2021</a:t>
             </a:fld>
             <a:endParaRPr lang="fr-FR"/>
           </a:p>
@@ -2971,55 +2971,9 @@
           <a:chExt cx="0" cy="0"/>
         </a:xfrm>
       </p:grpSpPr>
-      <p:sp>
-        <p:nvSpPr>
-          <p:cNvPr id="60" name="Rectangle 59"/>
-          <p:cNvSpPr/>
-          <p:nvPr/>
-        </p:nvSpPr>
-        <p:spPr>
-          <a:xfrm>
-            <a:off x="224589" y="-163186"/>
-            <a:ext cx="11742822" cy="12432631"/>
-          </a:xfrm>
-          <a:prstGeom prst="rect">
-            <a:avLst/>
-          </a:prstGeom>
-          <a:solidFill>
-            <a:schemeClr val="bg1"/>
-          </a:solidFill>
-          <a:ln>
-            <a:noFill/>
-          </a:ln>
-        </p:spPr>
-        <p:style>
-          <a:lnRef idx="2">
-            <a:schemeClr val="accent1">
-              <a:shade val="50000"/>
-            </a:schemeClr>
-          </a:lnRef>
-          <a:fillRef idx="1">
-            <a:schemeClr val="accent1"/>
-          </a:fillRef>
-          <a:effectRef idx="0">
-            <a:schemeClr val="accent1"/>
-          </a:effectRef>
-          <a:fontRef idx="minor">
-            <a:schemeClr val="lt1"/>
-          </a:fontRef>
-        </p:style>
-        <p:txBody>
-          <a:bodyPr rtlCol="0" anchor="ctr"/>
-          <a:lstStyle/>
-          <a:p>
-            <a:pPr algn="ctr"/>
-            <a:endParaRPr lang="fr-FR"/>
-          </a:p>
-        </p:txBody>
-      </p:sp>
       <p:grpSp>
         <p:nvGrpSpPr>
-          <p:cNvPr id="10" name="Groupe 9"/>
+          <p:cNvPr id="6" name="Groupe 5"/>
           <p:cNvGrpSpPr/>
           <p:nvPr/>
         </p:nvGrpSpPr>
@@ -3027,8 +2981,8 @@
           <a:xfrm>
             <a:off x="256009" y="8873319"/>
             <a:ext cx="9930565" cy="4560495"/>
-            <a:chOff x="32021" y="8746368"/>
-            <a:chExt cx="10120494" cy="4560495"/>
+            <a:chOff x="256009" y="8873319"/>
+            <a:chExt cx="9930565" cy="4560495"/>
           </a:xfrm>
         </p:grpSpPr>
         <p:pic>
@@ -3053,8 +3007,8 @@
           </p:blipFill>
           <p:spPr>
             <a:xfrm>
-              <a:off x="32021" y="8746368"/>
-              <a:ext cx="10120494" cy="4560495"/>
+              <a:off x="256009" y="8873319"/>
+              <a:ext cx="9930565" cy="4560495"/>
             </a:xfrm>
             <a:prstGeom prst="rect">
               <a:avLst/>
@@ -3069,8 +3023,8 @@
           </p:nvSpPr>
           <p:spPr>
             <a:xfrm>
-              <a:off x="421290" y="9130118"/>
-              <a:ext cx="308397" cy="261610"/>
+              <a:off x="637973" y="9257069"/>
+              <a:ext cx="302609" cy="261610"/>
             </a:xfrm>
             <a:prstGeom prst="rect">
               <a:avLst/>
@@ -4971,7 +4925,7 @@
           <p:nvPr/>
         </p:nvPicPr>
         <p:blipFill>
-          <a:blip r:embed="rId12">
+          <a:blip r:embed="rId12" cstate="print">
             <a:extLst>
               <a:ext uri="{28A0092B-C50C-407E-A947-70E740481C1C}">
                 <a14:useLocalDpi xmlns:a14="http://schemas.microsoft.com/office/drawing/2010/main" val="0"/>
@@ -4984,8 +4938,8 @@
         </p:blipFill>
         <p:spPr>
           <a:xfrm>
-            <a:off x="509535" y="530878"/>
-            <a:ext cx="10829640" cy="5569530"/>
+            <a:off x="765365" y="475442"/>
+            <a:ext cx="10304711" cy="5724839"/>
           </a:xfrm>
           <a:prstGeom prst="rect">
             <a:avLst/>

--- a/outputs/00_Figures_for_paper/Figure5.pptx
+++ b/outputs/00_Figures_for_paper/Figure5.pptx
@@ -243,7 +243,7 @@
           <a:p>
             <a:fld id="{CF97A134-FB87-44B0-94D1-6D4AE8ED7871}" type="datetimeFigureOut">
               <a:rPr lang="fr-FR" smtClean="0"/>
-              <a:t>06/04/2021</a:t>
+              <a:t>16/06/2021</a:t>
             </a:fld>
             <a:endParaRPr lang="fr-FR"/>
           </a:p>
@@ -413,7 +413,7 @@
           <a:p>
             <a:fld id="{CF97A134-FB87-44B0-94D1-6D4AE8ED7871}" type="datetimeFigureOut">
               <a:rPr lang="fr-FR" smtClean="0"/>
-              <a:t>06/04/2021</a:t>
+              <a:t>16/06/2021</a:t>
             </a:fld>
             <a:endParaRPr lang="fr-FR"/>
           </a:p>
@@ -593,7 +593,7 @@
           <a:p>
             <a:fld id="{CF97A134-FB87-44B0-94D1-6D4AE8ED7871}" type="datetimeFigureOut">
               <a:rPr lang="fr-FR" smtClean="0"/>
-              <a:t>06/04/2021</a:t>
+              <a:t>16/06/2021</a:t>
             </a:fld>
             <a:endParaRPr lang="fr-FR"/>
           </a:p>
@@ -763,7 +763,7 @@
           <a:p>
             <a:fld id="{CF97A134-FB87-44B0-94D1-6D4AE8ED7871}" type="datetimeFigureOut">
               <a:rPr lang="fr-FR" smtClean="0"/>
-              <a:t>06/04/2021</a:t>
+              <a:t>16/06/2021</a:t>
             </a:fld>
             <a:endParaRPr lang="fr-FR"/>
           </a:p>
@@ -1007,7 +1007,7 @@
           <a:p>
             <a:fld id="{CF97A134-FB87-44B0-94D1-6D4AE8ED7871}" type="datetimeFigureOut">
               <a:rPr lang="fr-FR" smtClean="0"/>
-              <a:t>06/04/2021</a:t>
+              <a:t>16/06/2021</a:t>
             </a:fld>
             <a:endParaRPr lang="fr-FR"/>
           </a:p>
@@ -1239,7 +1239,7 @@
           <a:p>
             <a:fld id="{CF97A134-FB87-44B0-94D1-6D4AE8ED7871}" type="datetimeFigureOut">
               <a:rPr lang="fr-FR" smtClean="0"/>
-              <a:t>06/04/2021</a:t>
+              <a:t>16/06/2021</a:t>
             </a:fld>
             <a:endParaRPr lang="fr-FR"/>
           </a:p>
@@ -1606,7 +1606,7 @@
           <a:p>
             <a:fld id="{CF97A134-FB87-44B0-94D1-6D4AE8ED7871}" type="datetimeFigureOut">
               <a:rPr lang="fr-FR" smtClean="0"/>
-              <a:t>06/04/2021</a:t>
+              <a:t>16/06/2021</a:t>
             </a:fld>
             <a:endParaRPr lang="fr-FR"/>
           </a:p>
@@ -1724,7 +1724,7 @@
           <a:p>
             <a:fld id="{CF97A134-FB87-44B0-94D1-6D4AE8ED7871}" type="datetimeFigureOut">
               <a:rPr lang="fr-FR" smtClean="0"/>
-              <a:t>06/04/2021</a:t>
+              <a:t>16/06/2021</a:t>
             </a:fld>
             <a:endParaRPr lang="fr-FR"/>
           </a:p>
@@ -1819,7 +1819,7 @@
           <a:p>
             <a:fld id="{CF97A134-FB87-44B0-94D1-6D4AE8ED7871}" type="datetimeFigureOut">
               <a:rPr lang="fr-FR" smtClean="0"/>
-              <a:t>06/04/2021</a:t>
+              <a:t>16/06/2021</a:t>
             </a:fld>
             <a:endParaRPr lang="fr-FR"/>
           </a:p>
@@ -2096,7 +2096,7 @@
           <a:p>
             <a:fld id="{CF97A134-FB87-44B0-94D1-6D4AE8ED7871}" type="datetimeFigureOut">
               <a:rPr lang="fr-FR" smtClean="0"/>
-              <a:t>06/04/2021</a:t>
+              <a:t>16/06/2021</a:t>
             </a:fld>
             <a:endParaRPr lang="fr-FR"/>
           </a:p>
@@ -2353,7 +2353,7 @@
           <a:p>
             <a:fld id="{CF97A134-FB87-44B0-94D1-6D4AE8ED7871}" type="datetimeFigureOut">
               <a:rPr lang="fr-FR" smtClean="0"/>
-              <a:t>06/04/2021</a:t>
+              <a:t>16/06/2021</a:t>
             </a:fld>
             <a:endParaRPr lang="fr-FR"/>
           </a:p>
@@ -2566,7 +2566,7 @@
           <a:p>
             <a:fld id="{CF97A134-FB87-44B0-94D1-6D4AE8ED7871}" type="datetimeFigureOut">
               <a:rPr lang="fr-FR" smtClean="0"/>
-              <a:t>06/04/2021</a:t>
+              <a:t>16/06/2021</a:t>
             </a:fld>
             <a:endParaRPr lang="fr-FR"/>
           </a:p>
@@ -2973,16 +2973,16 @@
       </p:grpSpPr>
       <p:grpSp>
         <p:nvGrpSpPr>
-          <p:cNvPr id="6" name="Groupe 5"/>
+          <p:cNvPr id="2" name="Groupe 1"/>
           <p:cNvGrpSpPr/>
           <p:nvPr/>
         </p:nvGrpSpPr>
         <p:grpSpPr>
           <a:xfrm>
-            <a:off x="256009" y="8873319"/>
-            <a:ext cx="9930565" cy="4560495"/>
-            <a:chOff x="256009" y="8873319"/>
-            <a:chExt cx="9930565" cy="4560495"/>
+            <a:off x="369651" y="8873319"/>
+            <a:ext cx="9200197" cy="4560495"/>
+            <a:chOff x="369651" y="8873319"/>
+            <a:chExt cx="9200197" cy="4560495"/>
           </a:xfrm>
         </p:grpSpPr>
         <p:pic>
@@ -2994,7 +2994,7 @@
             <p:nvPr/>
           </p:nvPicPr>
           <p:blipFill>
-            <a:blip r:embed="rId2" cstate="print">
+            <a:blip r:embed="rId2">
               <a:extLst>
                 <a:ext uri="{28A0092B-C50C-407E-A947-70E740481C1C}">
                   <a14:useLocalDpi xmlns:a14="http://schemas.microsoft.com/office/drawing/2010/main" val="0"/>
@@ -3007,8 +3007,8 @@
           </p:blipFill>
           <p:spPr>
             <a:xfrm>
-              <a:off x="256009" y="8873319"/>
-              <a:ext cx="9930565" cy="4560495"/>
+              <a:off x="369651" y="8873319"/>
+              <a:ext cx="9200197" cy="4560495"/>
             </a:xfrm>
             <a:prstGeom prst="rect">
               <a:avLst/>
@@ -3023,8 +3023,8 @@
           </p:nvSpPr>
           <p:spPr>
             <a:xfrm>
-              <a:off x="637973" y="9257069"/>
-              <a:ext cx="302609" cy="261610"/>
+              <a:off x="694643" y="9257069"/>
+              <a:ext cx="366521" cy="261610"/>
             </a:xfrm>
             <a:prstGeom prst="rect">
               <a:avLst/>
@@ -4141,8 +4141,8 @@
           </a:p>
         </p:txBody>
       </p:sp>
-      <mc:AlternateContent xmlns:mc="http://schemas.openxmlformats.org/markup-compatibility/2006" xmlns:a14="http://schemas.microsoft.com/office/drawing/2010/main">
-        <mc:Choice Requires="a14">
+      <mc:AlternateContent xmlns:mc="http://schemas.openxmlformats.org/markup-compatibility/2006">
+        <mc:Choice xmlns:a14="http://schemas.microsoft.com/office/drawing/2010/main" Requires="a14">
           <p:sp>
             <p:nvSpPr>
               <p:cNvPr id="49" name="ZoneTexte 48"/>
@@ -4227,13 +4227,29 @@
                     <a:ea typeface="Cambria Math" panose="02040503050406030204" pitchFamily="18" charset="0"/>
                     <a:cs typeface="Arial" panose="020B0604020202020204" pitchFamily="34" charset="0"/>
                   </a:rPr>
-                  <a:t>(2116 MOTUs)</a:t>
+                  <a:t>(</a:t>
+                </a:r>
+                <a:r>
+                  <a:rPr lang="fr-FR" sz="1400" b="1" dirty="0" smtClean="0">
+                    <a:latin typeface="Cambria Math" panose="02040503050406030204" pitchFamily="18" charset="0"/>
+                    <a:ea typeface="Cambria Math" panose="02040503050406030204" pitchFamily="18" charset="0"/>
+                    <a:cs typeface="Arial" panose="020B0604020202020204" pitchFamily="34" charset="0"/>
+                  </a:rPr>
+                  <a:t>2023 </a:t>
+                </a:r>
+                <a:r>
+                  <a:rPr lang="fr-FR" sz="1400" b="1" dirty="0" smtClean="0">
+                    <a:latin typeface="Cambria Math" panose="02040503050406030204" pitchFamily="18" charset="0"/>
+                    <a:ea typeface="Cambria Math" panose="02040503050406030204" pitchFamily="18" charset="0"/>
+                    <a:cs typeface="Arial" panose="020B0604020202020204" pitchFamily="34" charset="0"/>
+                  </a:rPr>
+                  <a:t>MOTUs)</a:t>
                 </a:r>
               </a:p>
             </p:txBody>
           </p:sp>
         </mc:Choice>
-        <mc:Fallback xmlns="">
+        <mc:Fallback>
           <p:sp>
             <p:nvSpPr>
               <p:cNvPr id="49" name="ZoneTexte 48"/>
@@ -4272,8 +4288,8 @@
           </p:sp>
         </mc:Fallback>
       </mc:AlternateContent>
-      <mc:AlternateContent xmlns:mc="http://schemas.openxmlformats.org/markup-compatibility/2006" xmlns:a14="http://schemas.microsoft.com/office/drawing/2010/main">
-        <mc:Choice Requires="a14">
+      <mc:AlternateContent xmlns:mc="http://schemas.openxmlformats.org/markup-compatibility/2006">
+        <mc:Choice xmlns:a14="http://schemas.microsoft.com/office/drawing/2010/main" Requires="a14">
           <p:sp>
             <p:nvSpPr>
               <p:cNvPr id="50" name="ZoneTexte 49"/>
@@ -4351,7 +4367,19 @@
                         <a:rPr lang="fr-FR" sz="1600" b="1" i="1" smtClean="0">
                           <a:latin typeface="Cambria Math" panose="02040503050406030204" pitchFamily="18" charset="0"/>
                         </a:rPr>
-                        <m:t>𝟕𝟒</m:t>
+                        <m:t>𝟕𝟑</m:t>
+                      </m:r>
+                      <m:r>
+                        <a:rPr lang="fr-FR" sz="1600" b="1" i="1" smtClean="0">
+                          <a:latin typeface="Cambria Math" panose="02040503050406030204" pitchFamily="18" charset="0"/>
+                        </a:rPr>
+                        <m:t>,</m:t>
+                      </m:r>
+                      <m:r>
+                        <a:rPr lang="fr-FR" sz="1600" b="1" i="1" smtClean="0">
+                          <a:latin typeface="Cambria Math" panose="02040503050406030204" pitchFamily="18" charset="0"/>
+                        </a:rPr>
+                        <m:t>𝟕</m:t>
                       </m:r>
                       <m:r>
                         <a:rPr lang="fr-FR" sz="1600" b="1" i="1" smtClean="0">
@@ -4370,7 +4398,7 @@
             </p:txBody>
           </p:sp>
         </mc:Choice>
-        <mc:Fallback xmlns="">
+        <mc:Fallback>
           <p:sp>
             <p:nvSpPr>
               <p:cNvPr id="50" name="ZoneTexte 49"/>
@@ -4409,8 +4437,8 @@
           </p:sp>
         </mc:Fallback>
       </mc:AlternateContent>
-      <mc:AlternateContent xmlns:mc="http://schemas.openxmlformats.org/markup-compatibility/2006" xmlns:a14="http://schemas.microsoft.com/office/drawing/2010/main">
-        <mc:Choice Requires="a14">
+      <mc:AlternateContent xmlns:mc="http://schemas.openxmlformats.org/markup-compatibility/2006">
+        <mc:Choice xmlns:a14="http://schemas.microsoft.com/office/drawing/2010/main" Requires="a14">
           <p:sp>
             <p:nvSpPr>
               <p:cNvPr id="51" name="ZoneTexte 50"/>
@@ -4512,7 +4540,7 @@
                         <a:rPr lang="fr-FR" sz="1600" b="1" i="1" smtClean="0">
                           <a:latin typeface="Cambria Math" panose="02040503050406030204" pitchFamily="18" charset="0"/>
                         </a:rPr>
-                        <m:t>𝟓</m:t>
+                        <m:t>𝟖</m:t>
                       </m:r>
                       <m:r>
                         <a:rPr lang="fr-FR" sz="1600" b="1" i="1" smtClean="0">
@@ -4531,7 +4559,7 @@
             </p:txBody>
           </p:sp>
         </mc:Choice>
-        <mc:Fallback xmlns="">
+        <mc:Fallback>
           <p:sp>
             <p:nvSpPr>
               <p:cNvPr id="51" name="ZoneTexte 50"/>
@@ -4570,8 +4598,8 @@
           </p:sp>
         </mc:Fallback>
       </mc:AlternateContent>
-      <mc:AlternateContent xmlns:mc="http://schemas.openxmlformats.org/markup-compatibility/2006" xmlns:a14="http://schemas.microsoft.com/office/drawing/2010/main">
-        <mc:Choice Requires="a14">
+      <mc:AlternateContent xmlns:mc="http://schemas.openxmlformats.org/markup-compatibility/2006">
+        <mc:Choice xmlns:a14="http://schemas.microsoft.com/office/drawing/2010/main" Requires="a14">
           <p:sp>
             <p:nvSpPr>
               <p:cNvPr id="52" name="ZoneTexte 51"/>
@@ -4661,7 +4689,7 @@
                         <a:rPr lang="fr-FR" sz="1600" b="1" i="1" smtClean="0">
                           <a:latin typeface="Cambria Math" panose="02040503050406030204" pitchFamily="18" charset="0"/>
                         </a:rPr>
-                        <m:t>𝟔</m:t>
+                        <m:t>𝟓</m:t>
                       </m:r>
                       <m:r>
                         <a:rPr lang="fr-FR" sz="1600" b="1" i="1" smtClean="0">
@@ -4673,7 +4701,7 @@
                         <a:rPr lang="fr-FR" sz="1600" b="1" i="1" smtClean="0">
                           <a:latin typeface="Cambria Math" panose="02040503050406030204" pitchFamily="18" charset="0"/>
                         </a:rPr>
-                        <m:t>𝟐</m:t>
+                        <m:t>𝟗</m:t>
                       </m:r>
                       <m:r>
                         <a:rPr lang="fr-FR" sz="1600" b="1" i="1" smtClean="0">
@@ -4692,7 +4720,7 @@
             </p:txBody>
           </p:sp>
         </mc:Choice>
-        <mc:Fallback xmlns="">
+        <mc:Fallback>
           <p:sp>
             <p:nvSpPr>
               <p:cNvPr id="52" name="ZoneTexte 51"/>
@@ -4731,8 +4759,8 @@
           </p:sp>
         </mc:Fallback>
       </mc:AlternateContent>
-      <mc:AlternateContent xmlns:mc="http://schemas.openxmlformats.org/markup-compatibility/2006" xmlns:a14="http://schemas.microsoft.com/office/drawing/2010/main">
-        <mc:Choice Requires="a14">
+      <mc:AlternateContent xmlns:mc="http://schemas.openxmlformats.org/markup-compatibility/2006">
+        <mc:Choice xmlns:a14="http://schemas.microsoft.com/office/drawing/2010/main" Requires="a14">
           <p:sp>
             <p:nvSpPr>
               <p:cNvPr id="53" name="ZoneTexte 52"/>
@@ -4822,7 +4850,7 @@
                         <a:rPr lang="fr-FR" sz="1600" b="1" i="1" smtClean="0">
                           <a:latin typeface="Cambria Math" panose="02040503050406030204" pitchFamily="18" charset="0"/>
                         </a:rPr>
-                        <m:t>𝟑</m:t>
+                        <m:t>𝟕</m:t>
                       </m:r>
                       <m:r>
                         <a:rPr lang="fr-FR" sz="1600" b="1" i="1" smtClean="0">
@@ -4841,7 +4869,7 @@
             </p:txBody>
           </p:sp>
         </mc:Choice>
-        <mc:Fallback xmlns="">
+        <mc:Fallback>
           <p:sp>
             <p:nvSpPr>
               <p:cNvPr id="53" name="ZoneTexte 52"/>
@@ -4939,7 +4967,7 @@
         <p:spPr>
           <a:xfrm>
             <a:off x="765365" y="475442"/>
-            <a:ext cx="10304711" cy="5724839"/>
+            <a:ext cx="10304711" cy="5724838"/>
           </a:xfrm>
           <a:prstGeom prst="rect">
             <a:avLst/>

--- a/outputs/00_Figures_for_paper/Figure5.pptx
+++ b/outputs/00_Figures_for_paper/Figure5.pptx
@@ -243,7 +243,7 @@
           <a:p>
             <a:fld id="{CF97A134-FB87-44B0-94D1-6D4AE8ED7871}" type="datetimeFigureOut">
               <a:rPr lang="fr-FR" smtClean="0"/>
-              <a:t>16/06/2021</a:t>
+              <a:t>29/06/2021</a:t>
             </a:fld>
             <a:endParaRPr lang="fr-FR"/>
           </a:p>
@@ -413,7 +413,7 @@
           <a:p>
             <a:fld id="{CF97A134-FB87-44B0-94D1-6D4AE8ED7871}" type="datetimeFigureOut">
               <a:rPr lang="fr-FR" smtClean="0"/>
-              <a:t>16/06/2021</a:t>
+              <a:t>29/06/2021</a:t>
             </a:fld>
             <a:endParaRPr lang="fr-FR"/>
           </a:p>
@@ -593,7 +593,7 @@
           <a:p>
             <a:fld id="{CF97A134-FB87-44B0-94D1-6D4AE8ED7871}" type="datetimeFigureOut">
               <a:rPr lang="fr-FR" smtClean="0"/>
-              <a:t>16/06/2021</a:t>
+              <a:t>29/06/2021</a:t>
             </a:fld>
             <a:endParaRPr lang="fr-FR"/>
           </a:p>
@@ -763,7 +763,7 @@
           <a:p>
             <a:fld id="{CF97A134-FB87-44B0-94D1-6D4AE8ED7871}" type="datetimeFigureOut">
               <a:rPr lang="fr-FR" smtClean="0"/>
-              <a:t>16/06/2021</a:t>
+              <a:t>29/06/2021</a:t>
             </a:fld>
             <a:endParaRPr lang="fr-FR"/>
           </a:p>
@@ -1007,7 +1007,7 @@
           <a:p>
             <a:fld id="{CF97A134-FB87-44B0-94D1-6D4AE8ED7871}" type="datetimeFigureOut">
               <a:rPr lang="fr-FR" smtClean="0"/>
-              <a:t>16/06/2021</a:t>
+              <a:t>29/06/2021</a:t>
             </a:fld>
             <a:endParaRPr lang="fr-FR"/>
           </a:p>
@@ -1239,7 +1239,7 @@
           <a:p>
             <a:fld id="{CF97A134-FB87-44B0-94D1-6D4AE8ED7871}" type="datetimeFigureOut">
               <a:rPr lang="fr-FR" smtClean="0"/>
-              <a:t>16/06/2021</a:t>
+              <a:t>29/06/2021</a:t>
             </a:fld>
             <a:endParaRPr lang="fr-FR"/>
           </a:p>
@@ -1606,7 +1606,7 @@
           <a:p>
             <a:fld id="{CF97A134-FB87-44B0-94D1-6D4AE8ED7871}" type="datetimeFigureOut">
               <a:rPr lang="fr-FR" smtClean="0"/>
-              <a:t>16/06/2021</a:t>
+              <a:t>29/06/2021</a:t>
             </a:fld>
             <a:endParaRPr lang="fr-FR"/>
           </a:p>
@@ -1724,7 +1724,7 @@
           <a:p>
             <a:fld id="{CF97A134-FB87-44B0-94D1-6D4AE8ED7871}" type="datetimeFigureOut">
               <a:rPr lang="fr-FR" smtClean="0"/>
-              <a:t>16/06/2021</a:t>
+              <a:t>29/06/2021</a:t>
             </a:fld>
             <a:endParaRPr lang="fr-FR"/>
           </a:p>
@@ -1819,7 +1819,7 @@
           <a:p>
             <a:fld id="{CF97A134-FB87-44B0-94D1-6D4AE8ED7871}" type="datetimeFigureOut">
               <a:rPr lang="fr-FR" smtClean="0"/>
-              <a:t>16/06/2021</a:t>
+              <a:t>29/06/2021</a:t>
             </a:fld>
             <a:endParaRPr lang="fr-FR"/>
           </a:p>
@@ -2096,7 +2096,7 @@
           <a:p>
             <a:fld id="{CF97A134-FB87-44B0-94D1-6D4AE8ED7871}" type="datetimeFigureOut">
               <a:rPr lang="fr-FR" smtClean="0"/>
-              <a:t>16/06/2021</a:t>
+              <a:t>29/06/2021</a:t>
             </a:fld>
             <a:endParaRPr lang="fr-FR"/>
           </a:p>
@@ -2353,7 +2353,7 @@
           <a:p>
             <a:fld id="{CF97A134-FB87-44B0-94D1-6D4AE8ED7871}" type="datetimeFigureOut">
               <a:rPr lang="fr-FR" smtClean="0"/>
-              <a:t>16/06/2021</a:t>
+              <a:t>29/06/2021</a:t>
             </a:fld>
             <a:endParaRPr lang="fr-FR"/>
           </a:p>
@@ -2566,7 +2566,7 @@
           <a:p>
             <a:fld id="{CF97A134-FB87-44B0-94D1-6D4AE8ED7871}" type="datetimeFigureOut">
               <a:rPr lang="fr-FR" smtClean="0"/>
-              <a:t>16/06/2021</a:t>
+              <a:t>29/06/2021</a:t>
             </a:fld>
             <a:endParaRPr lang="fr-FR"/>
           </a:p>
@@ -2971,6 +2971,49 @@
           <a:chExt cx="0" cy="0"/>
         </a:xfrm>
       </p:grpSpPr>
+      <p:sp>
+        <p:nvSpPr>
+          <p:cNvPr id="3" name="Rectangle 2"/>
+          <p:cNvSpPr/>
+          <p:nvPr/>
+        </p:nvSpPr>
+        <p:spPr>
+          <a:xfrm>
+            <a:off x="0" y="0"/>
+            <a:ext cx="12192000" cy="13433814"/>
+          </a:xfrm>
+          <a:prstGeom prst="rect">
+            <a:avLst/>
+          </a:prstGeom>
+          <a:solidFill>
+            <a:schemeClr val="bg1"/>
+          </a:solidFill>
+        </p:spPr>
+        <p:style>
+          <a:lnRef idx="2">
+            <a:schemeClr val="accent1">
+              <a:shade val="50000"/>
+            </a:schemeClr>
+          </a:lnRef>
+          <a:fillRef idx="1">
+            <a:schemeClr val="accent1"/>
+          </a:fillRef>
+          <a:effectRef idx="0">
+            <a:schemeClr val="accent1"/>
+          </a:effectRef>
+          <a:fontRef idx="minor">
+            <a:schemeClr val="lt1"/>
+          </a:fontRef>
+        </p:style>
+        <p:txBody>
+          <a:bodyPr rtlCol="0" anchor="ctr"/>
+          <a:lstStyle/>
+          <a:p>
+            <a:pPr algn="ctr"/>
+            <a:endParaRPr lang="fr-FR"/>
+          </a:p>
+        </p:txBody>
+      </p:sp>
       <p:grpSp>
         <p:nvGrpSpPr>
           <p:cNvPr id="2" name="Groupe 1"/>
@@ -4141,8 +4184,8 @@
           </a:p>
         </p:txBody>
       </p:sp>
-      <mc:AlternateContent xmlns:mc="http://schemas.openxmlformats.org/markup-compatibility/2006">
-        <mc:Choice xmlns:a14="http://schemas.microsoft.com/office/drawing/2010/main" Requires="a14">
+      <mc:AlternateContent xmlns:mc="http://schemas.openxmlformats.org/markup-compatibility/2006" xmlns:a14="http://schemas.microsoft.com/office/drawing/2010/main">
+        <mc:Choice Requires="a14">
           <p:sp>
             <p:nvSpPr>
               <p:cNvPr id="49" name="ZoneTexte 48"/>
@@ -4227,29 +4270,13 @@
                     <a:ea typeface="Cambria Math" panose="02040503050406030204" pitchFamily="18" charset="0"/>
                     <a:cs typeface="Arial" panose="020B0604020202020204" pitchFamily="34" charset="0"/>
                   </a:rPr>
-                  <a:t>(</a:t>
-                </a:r>
-                <a:r>
-                  <a:rPr lang="fr-FR" sz="1400" b="1" dirty="0" smtClean="0">
-                    <a:latin typeface="Cambria Math" panose="02040503050406030204" pitchFamily="18" charset="0"/>
-                    <a:ea typeface="Cambria Math" panose="02040503050406030204" pitchFamily="18" charset="0"/>
-                    <a:cs typeface="Arial" panose="020B0604020202020204" pitchFamily="34" charset="0"/>
-                  </a:rPr>
-                  <a:t>2023 </a:t>
-                </a:r>
-                <a:r>
-                  <a:rPr lang="fr-FR" sz="1400" b="1" dirty="0" smtClean="0">
-                    <a:latin typeface="Cambria Math" panose="02040503050406030204" pitchFamily="18" charset="0"/>
-                    <a:ea typeface="Cambria Math" panose="02040503050406030204" pitchFamily="18" charset="0"/>
-                    <a:cs typeface="Arial" panose="020B0604020202020204" pitchFamily="34" charset="0"/>
-                  </a:rPr>
-                  <a:t>MOTUs)</a:t>
+                  <a:t>(2023 MOTUs)</a:t>
                 </a:r>
               </a:p>
             </p:txBody>
           </p:sp>
         </mc:Choice>
-        <mc:Fallback>
+        <mc:Fallback xmlns="">
           <p:sp>
             <p:nvSpPr>
               <p:cNvPr id="49" name="ZoneTexte 48"/>
@@ -4288,8 +4315,8 @@
           </p:sp>
         </mc:Fallback>
       </mc:AlternateContent>
-      <mc:AlternateContent xmlns:mc="http://schemas.openxmlformats.org/markup-compatibility/2006">
-        <mc:Choice xmlns:a14="http://schemas.microsoft.com/office/drawing/2010/main" Requires="a14">
+      <mc:AlternateContent xmlns:mc="http://schemas.openxmlformats.org/markup-compatibility/2006" xmlns:a14="http://schemas.microsoft.com/office/drawing/2010/main">
+        <mc:Choice Requires="a14">
           <p:sp>
             <p:nvSpPr>
               <p:cNvPr id="50" name="ZoneTexte 49"/>
@@ -4398,7 +4425,7 @@
             </p:txBody>
           </p:sp>
         </mc:Choice>
-        <mc:Fallback>
+        <mc:Fallback xmlns="">
           <p:sp>
             <p:nvSpPr>
               <p:cNvPr id="50" name="ZoneTexte 49"/>
@@ -4437,8 +4464,8 @@
           </p:sp>
         </mc:Fallback>
       </mc:AlternateContent>
-      <mc:AlternateContent xmlns:mc="http://schemas.openxmlformats.org/markup-compatibility/2006">
-        <mc:Choice xmlns:a14="http://schemas.microsoft.com/office/drawing/2010/main" Requires="a14">
+      <mc:AlternateContent xmlns:mc="http://schemas.openxmlformats.org/markup-compatibility/2006" xmlns:a14="http://schemas.microsoft.com/office/drawing/2010/main">
+        <mc:Choice Requires="a14">
           <p:sp>
             <p:nvSpPr>
               <p:cNvPr id="51" name="ZoneTexte 50"/>
@@ -4559,7 +4586,7 @@
             </p:txBody>
           </p:sp>
         </mc:Choice>
-        <mc:Fallback>
+        <mc:Fallback xmlns="">
           <p:sp>
             <p:nvSpPr>
               <p:cNvPr id="51" name="ZoneTexte 50"/>
@@ -4598,8 +4625,8 @@
           </p:sp>
         </mc:Fallback>
       </mc:AlternateContent>
-      <mc:AlternateContent xmlns:mc="http://schemas.openxmlformats.org/markup-compatibility/2006">
-        <mc:Choice xmlns:a14="http://schemas.microsoft.com/office/drawing/2010/main" Requires="a14">
+      <mc:AlternateContent xmlns:mc="http://schemas.openxmlformats.org/markup-compatibility/2006" xmlns:a14="http://schemas.microsoft.com/office/drawing/2010/main">
+        <mc:Choice Requires="a14">
           <p:sp>
             <p:nvSpPr>
               <p:cNvPr id="52" name="ZoneTexte 51"/>
@@ -4720,7 +4747,7 @@
             </p:txBody>
           </p:sp>
         </mc:Choice>
-        <mc:Fallback>
+        <mc:Fallback xmlns="">
           <p:sp>
             <p:nvSpPr>
               <p:cNvPr id="52" name="ZoneTexte 51"/>
@@ -4759,8 +4786,8 @@
           </p:sp>
         </mc:Fallback>
       </mc:AlternateContent>
-      <mc:AlternateContent xmlns:mc="http://schemas.openxmlformats.org/markup-compatibility/2006">
-        <mc:Choice xmlns:a14="http://schemas.microsoft.com/office/drawing/2010/main" Requires="a14">
+      <mc:AlternateContent xmlns:mc="http://schemas.openxmlformats.org/markup-compatibility/2006" xmlns:a14="http://schemas.microsoft.com/office/drawing/2010/main">
+        <mc:Choice Requires="a14">
           <p:sp>
             <p:nvSpPr>
               <p:cNvPr id="53" name="ZoneTexte 52"/>
@@ -4869,7 +4896,7 @@
             </p:txBody>
           </p:sp>
         </mc:Choice>
-        <mc:Fallback>
+        <mc:Fallback xmlns="">
           <p:sp>
             <p:nvSpPr>
               <p:cNvPr id="53" name="ZoneTexte 52"/>

--- a/outputs/00_Figures_for_paper/Figure5.pptx
+++ b/outputs/00_Figures_for_paper/Figure5.pptx
@@ -6,6 +6,7 @@
   </p:sldMasterIdLst>
   <p:sldIdLst>
     <p:sldId id="257" r:id="rId2"/>
+    <p:sldId id="258" r:id="rId3"/>
   </p:sldIdLst>
   <p:sldSz cx="12192000" cy="16256000"/>
   <p:notesSz cx="6858000" cy="9144000"/>
@@ -243,7 +244,7 @@
           <a:p>
             <a:fld id="{CF97A134-FB87-44B0-94D1-6D4AE8ED7871}" type="datetimeFigureOut">
               <a:rPr lang="fr-FR" smtClean="0"/>
-              <a:t>29/06/2021</a:t>
+              <a:t>11/01/2022</a:t>
             </a:fld>
             <a:endParaRPr lang="fr-FR"/>
           </a:p>
@@ -413,7 +414,7 @@
           <a:p>
             <a:fld id="{CF97A134-FB87-44B0-94D1-6D4AE8ED7871}" type="datetimeFigureOut">
               <a:rPr lang="fr-FR" smtClean="0"/>
-              <a:t>29/06/2021</a:t>
+              <a:t>11/01/2022</a:t>
             </a:fld>
             <a:endParaRPr lang="fr-FR"/>
           </a:p>
@@ -593,7 +594,7 @@
           <a:p>
             <a:fld id="{CF97A134-FB87-44B0-94D1-6D4AE8ED7871}" type="datetimeFigureOut">
               <a:rPr lang="fr-FR" smtClean="0"/>
-              <a:t>29/06/2021</a:t>
+              <a:t>11/01/2022</a:t>
             </a:fld>
             <a:endParaRPr lang="fr-FR"/>
           </a:p>
@@ -763,7 +764,7 @@
           <a:p>
             <a:fld id="{CF97A134-FB87-44B0-94D1-6D4AE8ED7871}" type="datetimeFigureOut">
               <a:rPr lang="fr-FR" smtClean="0"/>
-              <a:t>29/06/2021</a:t>
+              <a:t>11/01/2022</a:t>
             </a:fld>
             <a:endParaRPr lang="fr-FR"/>
           </a:p>
@@ -1007,7 +1008,7 @@
           <a:p>
             <a:fld id="{CF97A134-FB87-44B0-94D1-6D4AE8ED7871}" type="datetimeFigureOut">
               <a:rPr lang="fr-FR" smtClean="0"/>
-              <a:t>29/06/2021</a:t>
+              <a:t>11/01/2022</a:t>
             </a:fld>
             <a:endParaRPr lang="fr-FR"/>
           </a:p>
@@ -1239,7 +1240,7 @@
           <a:p>
             <a:fld id="{CF97A134-FB87-44B0-94D1-6D4AE8ED7871}" type="datetimeFigureOut">
               <a:rPr lang="fr-FR" smtClean="0"/>
-              <a:t>29/06/2021</a:t>
+              <a:t>11/01/2022</a:t>
             </a:fld>
             <a:endParaRPr lang="fr-FR"/>
           </a:p>
@@ -1606,7 +1607,7 @@
           <a:p>
             <a:fld id="{CF97A134-FB87-44B0-94D1-6D4AE8ED7871}" type="datetimeFigureOut">
               <a:rPr lang="fr-FR" smtClean="0"/>
-              <a:t>29/06/2021</a:t>
+              <a:t>11/01/2022</a:t>
             </a:fld>
             <a:endParaRPr lang="fr-FR"/>
           </a:p>
@@ -1724,7 +1725,7 @@
           <a:p>
             <a:fld id="{CF97A134-FB87-44B0-94D1-6D4AE8ED7871}" type="datetimeFigureOut">
               <a:rPr lang="fr-FR" smtClean="0"/>
-              <a:t>29/06/2021</a:t>
+              <a:t>11/01/2022</a:t>
             </a:fld>
             <a:endParaRPr lang="fr-FR"/>
           </a:p>
@@ -1819,7 +1820,7 @@
           <a:p>
             <a:fld id="{CF97A134-FB87-44B0-94D1-6D4AE8ED7871}" type="datetimeFigureOut">
               <a:rPr lang="fr-FR" smtClean="0"/>
-              <a:t>29/06/2021</a:t>
+              <a:t>11/01/2022</a:t>
             </a:fld>
             <a:endParaRPr lang="fr-FR"/>
           </a:p>
@@ -2096,7 +2097,7 @@
           <a:p>
             <a:fld id="{CF97A134-FB87-44B0-94D1-6D4AE8ED7871}" type="datetimeFigureOut">
               <a:rPr lang="fr-FR" smtClean="0"/>
-              <a:t>29/06/2021</a:t>
+              <a:t>11/01/2022</a:t>
             </a:fld>
             <a:endParaRPr lang="fr-FR"/>
           </a:p>
@@ -2353,7 +2354,7 @@
           <a:p>
             <a:fld id="{CF97A134-FB87-44B0-94D1-6D4AE8ED7871}" type="datetimeFigureOut">
               <a:rPr lang="fr-FR" smtClean="0"/>
-              <a:t>29/06/2021</a:t>
+              <a:t>11/01/2022</a:t>
             </a:fld>
             <a:endParaRPr lang="fr-FR"/>
           </a:p>
@@ -2566,7 +2567,7 @@
           <a:p>
             <a:fld id="{CF97A134-FB87-44B0-94D1-6D4AE8ED7871}" type="datetimeFigureOut">
               <a:rPr lang="fr-FR" smtClean="0"/>
-              <a:t>29/06/2021</a:t>
+              <a:t>11/01/2022</a:t>
             </a:fld>
             <a:endParaRPr lang="fr-FR"/>
           </a:p>
@@ -2979,7 +2980,7 @@
         </p:nvSpPr>
         <p:spPr>
           <a:xfrm>
-            <a:off x="0" y="0"/>
+            <a:off x="0" y="441046"/>
             <a:ext cx="12192000" cy="13433814"/>
           </a:xfrm>
           <a:prstGeom prst="rect">
@@ -2988,6 +2989,9 @@
           <a:solidFill>
             <a:schemeClr val="bg1"/>
           </a:solidFill>
+          <a:ln>
+            <a:noFill/>
+          </a:ln>
         </p:spPr>
         <p:style>
           <a:lnRef idx="2">
@@ -3016,7 +3020,7 @@
       </p:sp>
       <p:grpSp>
         <p:nvGrpSpPr>
-          <p:cNvPr id="2" name="Groupe 1"/>
+          <p:cNvPr id="6" name="Groupe 5"/>
           <p:cNvGrpSpPr/>
           <p:nvPr/>
         </p:nvGrpSpPr>
@@ -3372,7 +3376,21 @@
                 <a:latin typeface="Arial" panose="020B0604020202020204" pitchFamily="34" charset="0"/>
                 <a:cs typeface="Arial" panose="020B0604020202020204" pitchFamily="34" charset="0"/>
               </a:rPr>
-              <a:t>46 stations</a:t>
+              <a:t>32</a:t>
+            </a:r>
+            <a:r>
+              <a:rPr lang="fr-FR" sz="1200" i="1" dirty="0" smtClean="0">
+                <a:latin typeface="Arial" panose="020B0604020202020204" pitchFamily="34" charset="0"/>
+                <a:cs typeface="Arial" panose="020B0604020202020204" pitchFamily="34" charset="0"/>
+              </a:rPr>
+              <a:t> </a:t>
+            </a:r>
+            <a:r>
+              <a:rPr lang="fr-FR" sz="1200" i="1" dirty="0" smtClean="0">
+                <a:latin typeface="Arial" panose="020B0604020202020204" pitchFamily="34" charset="0"/>
+                <a:cs typeface="Arial" panose="020B0604020202020204" pitchFamily="34" charset="0"/>
+              </a:rPr>
+              <a:t>stations</a:t>
             </a:r>
             <a:endParaRPr lang="fr-FR" sz="1200" i="1" dirty="0">
               <a:latin typeface="Arial" panose="020B0604020202020204" pitchFamily="34" charset="0"/>
@@ -3548,7 +3566,14 @@
                 <a:latin typeface="Arial" panose="020B0604020202020204" pitchFamily="34" charset="0"/>
                 <a:cs typeface="Arial" panose="020B0604020202020204" pitchFamily="34" charset="0"/>
               </a:rPr>
-              <a:t>31 stations</a:t>
+              <a:t>30 </a:t>
+            </a:r>
+            <a:r>
+              <a:rPr lang="fr-FR" sz="1200" i="1" dirty="0" smtClean="0">
+                <a:latin typeface="Arial" panose="020B0604020202020204" pitchFamily="34" charset="0"/>
+                <a:cs typeface="Arial" panose="020B0604020202020204" pitchFamily="34" charset="0"/>
+              </a:rPr>
+              <a:t>stations</a:t>
             </a:r>
             <a:endParaRPr lang="fr-FR" sz="1200" i="1" dirty="0">
               <a:latin typeface="Arial" panose="020B0604020202020204" pitchFamily="34" charset="0"/>
@@ -4993,7 +5018,7 @@
         </p:blipFill>
         <p:spPr>
           <a:xfrm>
-            <a:off x="765365" y="475442"/>
+            <a:off x="871928" y="475176"/>
             <a:ext cx="10304711" cy="5724838"/>
           </a:xfrm>
           <a:prstGeom prst="rect">
@@ -5217,6 +5242,111 @@
     <p:extLst>
       <p:ext uri="{BB962C8B-B14F-4D97-AF65-F5344CB8AC3E}">
         <p14:creationId xmlns:p14="http://schemas.microsoft.com/office/powerpoint/2010/main" val="2880403993"/>
+      </p:ext>
+    </p:extLst>
+  </p:cSld>
+  <p:clrMapOvr>
+    <a:masterClrMapping/>
+  </p:clrMapOvr>
+</p:sld>
+</file>
+
+<file path=ppt/slides/slide2.xml><?xml version="1.0" encoding="utf-8"?>
+<p:sld xmlns:a="http://schemas.openxmlformats.org/drawingml/2006/main" xmlns:r="http://schemas.openxmlformats.org/officeDocument/2006/relationships" xmlns:p="http://schemas.openxmlformats.org/presentationml/2006/main">
+  <p:cSld>
+    <p:spTree>
+      <p:nvGrpSpPr>
+        <p:cNvPr id="1" name=""/>
+        <p:cNvGrpSpPr/>
+        <p:nvPr/>
+      </p:nvGrpSpPr>
+      <p:grpSpPr>
+        <a:xfrm>
+          <a:off x="0" y="0"/>
+          <a:ext cx="0" cy="0"/>
+          <a:chOff x="0" y="0"/>
+          <a:chExt cx="0" cy="0"/>
+        </a:xfrm>
+      </p:grpSpPr>
+      <p:grpSp>
+        <p:nvGrpSpPr>
+          <p:cNvPr id="6" name="Groupe 5"/>
+          <p:cNvGrpSpPr/>
+          <p:nvPr/>
+        </p:nvGrpSpPr>
+        <p:grpSpPr>
+          <a:xfrm>
+            <a:off x="0" y="504498"/>
+            <a:ext cx="12170978" cy="12170978"/>
+            <a:chOff x="0" y="504498"/>
+            <a:chExt cx="12170978" cy="12170978"/>
+          </a:xfrm>
+        </p:grpSpPr>
+        <p:pic>
+          <p:nvPicPr>
+            <p:cNvPr id="4" name="Image 3"/>
+            <p:cNvPicPr>
+              <a:picLocks noChangeAspect="1"/>
+            </p:cNvPicPr>
+            <p:nvPr/>
+          </p:nvPicPr>
+          <p:blipFill>
+            <a:blip r:embed="rId2" cstate="print">
+              <a:extLst>
+                <a:ext uri="{28A0092B-C50C-407E-A947-70E740481C1C}">
+                  <a14:useLocalDpi xmlns:a14="http://schemas.microsoft.com/office/drawing/2010/main" val="0"/>
+                </a:ext>
+              </a:extLst>
+            </a:blip>
+            <a:stretch>
+              <a:fillRect/>
+            </a:stretch>
+          </p:blipFill>
+          <p:spPr>
+            <a:xfrm>
+              <a:off x="0" y="504498"/>
+              <a:ext cx="12170978" cy="12170978"/>
+            </a:xfrm>
+            <a:prstGeom prst="rect">
+              <a:avLst/>
+            </a:prstGeom>
+          </p:spPr>
+        </p:pic>
+        <p:pic>
+          <p:nvPicPr>
+            <p:cNvPr id="5" name="Image 4"/>
+            <p:cNvPicPr>
+              <a:picLocks noChangeAspect="1"/>
+            </p:cNvPicPr>
+            <p:nvPr/>
+          </p:nvPicPr>
+          <p:blipFill>
+            <a:blip r:embed="rId3">
+              <a:extLst>
+                <a:ext uri="{28A0092B-C50C-407E-A947-70E740481C1C}">
+                  <a14:useLocalDpi xmlns:a14="http://schemas.microsoft.com/office/drawing/2010/main" val="0"/>
+                </a:ext>
+              </a:extLst>
+            </a:blip>
+            <a:stretch>
+              <a:fillRect/>
+            </a:stretch>
+          </p:blipFill>
+          <p:spPr>
+            <a:xfrm>
+              <a:off x="4682782" y="9774621"/>
+              <a:ext cx="3483756" cy="2106457"/>
+            </a:xfrm>
+            <a:prstGeom prst="rect">
+              <a:avLst/>
+            </a:prstGeom>
+          </p:spPr>
+        </p:pic>
+      </p:grpSp>
+    </p:spTree>
+    <p:extLst>
+      <p:ext uri="{BB962C8B-B14F-4D97-AF65-F5344CB8AC3E}">
+        <p14:creationId xmlns:p14="http://schemas.microsoft.com/office/powerpoint/2010/main" val="494749752"/>
       </p:ext>
     </p:extLst>
   </p:cSld>
